--- a/enginev1/static/img/demo/Images with borders.pptx
+++ b/enginev1/static/img/demo/Images with borders.pptx
@@ -7,6 +7,7 @@
   <p:sldIdLst>
     <p:sldId id="256" r:id="rId2"/>
     <p:sldId id="257" r:id="rId3"/>
+    <p:sldId id="258" r:id="rId4"/>
   </p:sldIdLst>
   <p:sldSz cx="12192000" cy="6858000"/>
   <p:notesSz cx="6858000" cy="9144000"/>
@@ -2965,276 +2966,321 @@
           <a:chExt cx="0" cy="0"/>
         </a:xfrm>
       </p:grpSpPr>
-      <p:sp>
-        <p:nvSpPr>
-          <p:cNvPr id="13" name="Rectangle 12"/>
-          <p:cNvSpPr/>
+      <p:grpSp>
+        <p:nvGrpSpPr>
+          <p:cNvPr id="19" name="Group 18"/>
+          <p:cNvGrpSpPr/>
           <p:nvPr/>
-        </p:nvSpPr>
-        <p:spPr>
+        </p:nvGrpSpPr>
+        <p:grpSpPr>
+          <a:xfrm>
+            <a:off x="7253910" y="1008306"/>
+            <a:ext cx="3340100" cy="3177950"/>
+            <a:chOff x="7253910" y="1008306"/>
+            <a:chExt cx="3340100" cy="3177950"/>
+          </a:xfrm>
+        </p:grpSpPr>
+        <p:sp>
+          <p:nvSpPr>
+            <p:cNvPr id="16" name="Rectangle 15"/>
+            <p:cNvSpPr/>
+            <p:nvPr/>
+          </p:nvSpPr>
+          <p:spPr>
+            <a:xfrm>
+              <a:off x="7334985" y="1008306"/>
+              <a:ext cx="3177950" cy="3177950"/>
+            </a:xfrm>
+            <a:prstGeom prst="rect">
+              <a:avLst/>
+            </a:prstGeom>
+            <a:solidFill>
+              <a:schemeClr val="bg1"/>
+            </a:solidFill>
+            <a:ln w="19050">
+              <a:solidFill>
+                <a:schemeClr val="bg1">
+                  <a:lumMod val="65000"/>
+                </a:schemeClr>
+              </a:solidFill>
+            </a:ln>
+          </p:spPr>
+          <p:style>
+            <a:lnRef idx="2">
+              <a:schemeClr val="accent1">
+                <a:shade val="50000"/>
+              </a:schemeClr>
+            </a:lnRef>
+            <a:fillRef idx="1">
+              <a:schemeClr val="accent1"/>
+            </a:fillRef>
+            <a:effectRef idx="0">
+              <a:schemeClr val="accent1"/>
+            </a:effectRef>
+            <a:fontRef idx="minor">
+              <a:schemeClr val="lt1"/>
+            </a:fontRef>
+          </p:style>
+          <p:txBody>
+            <a:bodyPr rtlCol="0" anchor="ctr"/>
+            <a:lstStyle/>
+            <a:p>
+              <a:pPr algn="ctr"/>
+              <a:endParaRPr lang="en-US"/>
+            </a:p>
+          </p:txBody>
+        </p:sp>
+        <p:pic>
+          <p:nvPicPr>
+            <p:cNvPr id="7" name="Picture 6"/>
+            <p:cNvPicPr>
+              <a:picLocks noChangeAspect="1"/>
+            </p:cNvPicPr>
+            <p:nvPr/>
+          </p:nvPicPr>
+          <p:blipFill>
+            <a:blip r:embed="rId2">
+              <a:clrChange>
+                <a:clrFrom>
+                  <a:srgbClr val="FFFFFF"/>
+                </a:clrFrom>
+                <a:clrTo>
+                  <a:srgbClr val="FFFFFF">
+                    <a:alpha val="0"/>
+                  </a:srgbClr>
+                </a:clrTo>
+              </a:clrChange>
+              <a:extLst>
+                <a:ext uri="{28A0092B-C50C-407E-A947-70E740481C1C}">
+                  <a14:useLocalDpi xmlns:a14="http://schemas.microsoft.com/office/drawing/2010/main" val="0"/>
+                </a:ext>
+              </a:extLst>
+            </a:blip>
+            <a:stretch>
+              <a:fillRect/>
+            </a:stretch>
+          </p:blipFill>
+          <p:spPr>
+            <a:xfrm>
+              <a:off x="7253910" y="1021006"/>
+              <a:ext cx="3340100" cy="3003550"/>
+            </a:xfrm>
+            <a:prstGeom prst="rect">
+              <a:avLst/>
+            </a:prstGeom>
+          </p:spPr>
+        </p:pic>
+      </p:grpSp>
+      <p:grpSp>
+        <p:nvGrpSpPr>
+          <p:cNvPr id="18" name="Group 17"/>
+          <p:cNvGrpSpPr/>
+          <p:nvPr/>
+        </p:nvGrpSpPr>
+        <p:grpSpPr>
           <a:xfrm>
             <a:off x="3880585" y="1008306"/>
             <a:ext cx="3177950" cy="3177950"/>
+            <a:chOff x="3880585" y="1008306"/>
+            <a:chExt cx="3177950" cy="3177950"/>
           </a:xfrm>
-          <a:prstGeom prst="rect">
-            <a:avLst/>
-          </a:prstGeom>
-          <a:solidFill>
-            <a:schemeClr val="bg1"/>
-          </a:solidFill>
-          <a:ln w="19050">
+        </p:grpSpPr>
+        <p:sp>
+          <p:nvSpPr>
+            <p:cNvPr id="13" name="Rectangle 12"/>
+            <p:cNvSpPr/>
+            <p:nvPr/>
+          </p:nvSpPr>
+          <p:spPr>
+            <a:xfrm>
+              <a:off x="3880585" y="1008306"/>
+              <a:ext cx="3177950" cy="3177950"/>
+            </a:xfrm>
+            <a:prstGeom prst="rect">
+              <a:avLst/>
+            </a:prstGeom>
             <a:solidFill>
-              <a:schemeClr val="bg1">
-                <a:lumMod val="65000"/>
+              <a:schemeClr val="bg1"/>
+            </a:solidFill>
+            <a:ln w="19050">
+              <a:solidFill>
+                <a:schemeClr val="bg1">
+                  <a:lumMod val="65000"/>
+                </a:schemeClr>
+              </a:solidFill>
+            </a:ln>
+          </p:spPr>
+          <p:style>
+            <a:lnRef idx="2">
+              <a:schemeClr val="accent1">
+                <a:shade val="50000"/>
               </a:schemeClr>
-            </a:solidFill>
-          </a:ln>
-        </p:spPr>
-        <p:style>
-          <a:lnRef idx="2">
-            <a:schemeClr val="accent1">
-              <a:shade val="50000"/>
-            </a:schemeClr>
-          </a:lnRef>
-          <a:fillRef idx="1">
-            <a:schemeClr val="accent1"/>
-          </a:fillRef>
-          <a:effectRef idx="0">
-            <a:schemeClr val="accent1"/>
-          </a:effectRef>
-          <a:fontRef idx="minor">
-            <a:schemeClr val="lt1"/>
-          </a:fontRef>
-        </p:style>
-        <p:txBody>
-          <a:bodyPr rtlCol="0" anchor="ctr"/>
-          <a:lstStyle/>
-          <a:p>
-            <a:pPr algn="ctr"/>
-            <a:endParaRPr lang="en-US"/>
-          </a:p>
-        </p:txBody>
-      </p:sp>
-      <p:sp>
-        <p:nvSpPr>
-          <p:cNvPr id="16" name="Rectangle 15"/>
-          <p:cNvSpPr/>
+            </a:lnRef>
+            <a:fillRef idx="1">
+              <a:schemeClr val="accent1"/>
+            </a:fillRef>
+            <a:effectRef idx="0">
+              <a:schemeClr val="accent1"/>
+            </a:effectRef>
+            <a:fontRef idx="minor">
+              <a:schemeClr val="lt1"/>
+            </a:fontRef>
+          </p:style>
+          <p:txBody>
+            <a:bodyPr rtlCol="0" anchor="ctr"/>
+            <a:lstStyle/>
+            <a:p>
+              <a:pPr algn="ctr"/>
+              <a:endParaRPr lang="en-US"/>
+            </a:p>
+          </p:txBody>
+        </p:sp>
+        <p:pic>
+          <p:nvPicPr>
+            <p:cNvPr id="8" name="Picture 7"/>
+            <p:cNvPicPr>
+              <a:picLocks noChangeAspect="1"/>
+            </p:cNvPicPr>
+            <p:nvPr/>
+          </p:nvPicPr>
+          <p:blipFill>
+            <a:blip r:embed="rId3">
+              <a:clrChange>
+                <a:clrFrom>
+                  <a:srgbClr val="FFFFFF"/>
+                </a:clrFrom>
+                <a:clrTo>
+                  <a:srgbClr val="FFFFFF">
+                    <a:alpha val="0"/>
+                  </a:srgbClr>
+                </a:clrTo>
+              </a:clrChange>
+              <a:extLst>
+                <a:ext uri="{28A0092B-C50C-407E-A947-70E740481C1C}">
+                  <a14:useLocalDpi xmlns:a14="http://schemas.microsoft.com/office/drawing/2010/main" val="0"/>
+                </a:ext>
+              </a:extLst>
+            </a:blip>
+            <a:stretch>
+              <a:fillRect/>
+            </a:stretch>
+          </p:blipFill>
+          <p:spPr>
+            <a:xfrm>
+              <a:off x="4148662" y="1139956"/>
+              <a:ext cx="2660650" cy="2914650"/>
+            </a:xfrm>
+            <a:prstGeom prst="rect">
+              <a:avLst/>
+            </a:prstGeom>
+          </p:spPr>
+        </p:pic>
+      </p:grpSp>
+      <p:grpSp>
+        <p:nvGrpSpPr>
+          <p:cNvPr id="17" name="Group 16"/>
+          <p:cNvGrpSpPr/>
           <p:nvPr/>
-        </p:nvSpPr>
-        <p:spPr>
-          <a:xfrm>
-            <a:off x="7334985" y="1008306"/>
-            <a:ext cx="3177950" cy="3177950"/>
-          </a:xfrm>
-          <a:prstGeom prst="rect">
-            <a:avLst/>
-          </a:prstGeom>
-          <a:solidFill>
-            <a:schemeClr val="bg1"/>
-          </a:solidFill>
-          <a:ln w="19050">
-            <a:solidFill>
-              <a:schemeClr val="bg1">
-                <a:lumMod val="65000"/>
-              </a:schemeClr>
-            </a:solidFill>
-          </a:ln>
-        </p:spPr>
-        <p:style>
-          <a:lnRef idx="2">
-            <a:schemeClr val="accent1">
-              <a:shade val="50000"/>
-            </a:schemeClr>
-          </a:lnRef>
-          <a:fillRef idx="1">
-            <a:schemeClr val="accent1"/>
-          </a:fillRef>
-          <a:effectRef idx="0">
-            <a:schemeClr val="accent1"/>
-          </a:effectRef>
-          <a:fontRef idx="minor">
-            <a:schemeClr val="lt1"/>
-          </a:fontRef>
-        </p:style>
-        <p:txBody>
-          <a:bodyPr rtlCol="0" anchor="ctr"/>
-          <a:lstStyle/>
-          <a:p>
-            <a:pPr algn="ctr"/>
-            <a:endParaRPr lang="en-US"/>
-          </a:p>
-        </p:txBody>
-      </p:sp>
-      <p:sp>
-        <p:nvSpPr>
-          <p:cNvPr id="11" name="Rectangle 10"/>
-          <p:cNvSpPr/>
-          <p:nvPr/>
-        </p:nvSpPr>
-        <p:spPr>
-          <a:xfrm>
-            <a:off x="426185" y="1008306"/>
-            <a:ext cx="3177950" cy="3177950"/>
-          </a:xfrm>
-          <a:prstGeom prst="rect">
-            <a:avLst/>
-          </a:prstGeom>
-          <a:solidFill>
-            <a:schemeClr val="bg1"/>
-          </a:solidFill>
-          <a:ln w="19050">
-            <a:solidFill>
-              <a:schemeClr val="bg1">
-                <a:lumMod val="65000"/>
-              </a:schemeClr>
-            </a:solidFill>
-          </a:ln>
-        </p:spPr>
-        <p:style>
-          <a:lnRef idx="2">
-            <a:schemeClr val="accent1">
-              <a:shade val="50000"/>
-            </a:schemeClr>
-          </a:lnRef>
-          <a:fillRef idx="1">
-            <a:schemeClr val="accent1"/>
-          </a:fillRef>
-          <a:effectRef idx="0">
-            <a:schemeClr val="accent1"/>
-          </a:effectRef>
-          <a:fontRef idx="minor">
-            <a:schemeClr val="lt1"/>
-          </a:fontRef>
-        </p:style>
-        <p:txBody>
-          <a:bodyPr rtlCol="0" anchor="ctr"/>
-          <a:lstStyle/>
-          <a:p>
-            <a:pPr algn="ctr"/>
-            <a:endParaRPr lang="en-US"/>
-          </a:p>
-        </p:txBody>
-      </p:sp>
-      <p:pic>
-        <p:nvPicPr>
-          <p:cNvPr id="7" name="Picture 6"/>
-          <p:cNvPicPr>
-            <a:picLocks noChangeAspect="1"/>
-          </p:cNvPicPr>
-          <p:nvPr/>
-        </p:nvPicPr>
-        <p:blipFill>
-          <a:blip r:embed="rId2">
-            <a:clrChange>
-              <a:clrFrom>
-                <a:srgbClr val="FFFFFF"/>
-              </a:clrFrom>
-              <a:clrTo>
-                <a:srgbClr val="FFFFFF">
-                  <a:alpha val="0"/>
-                </a:srgbClr>
-              </a:clrTo>
-            </a:clrChange>
-            <a:extLst>
-              <a:ext uri="{28A0092B-C50C-407E-A947-70E740481C1C}">
-                <a14:useLocalDpi xmlns:a14="http://schemas.microsoft.com/office/drawing/2010/main" val="0"/>
-              </a:ext>
-            </a:extLst>
-          </a:blip>
-          <a:stretch>
-            <a:fillRect/>
-          </a:stretch>
-        </p:blipFill>
-        <p:spPr>
-          <a:xfrm>
-            <a:off x="7253910" y="1021006"/>
-            <a:ext cx="3340100" cy="3003550"/>
-          </a:xfrm>
-          <a:prstGeom prst="rect">
-            <a:avLst/>
-          </a:prstGeom>
-        </p:spPr>
-      </p:pic>
-      <p:pic>
-        <p:nvPicPr>
-          <p:cNvPr id="8" name="Picture 7"/>
-          <p:cNvPicPr>
-            <a:picLocks noChangeAspect="1"/>
-          </p:cNvPicPr>
-          <p:nvPr/>
-        </p:nvPicPr>
-        <p:blipFill>
-          <a:blip r:embed="rId3">
-            <a:clrChange>
-              <a:clrFrom>
-                <a:srgbClr val="FFFFFF"/>
-              </a:clrFrom>
-              <a:clrTo>
-                <a:srgbClr val="FFFFFF">
-                  <a:alpha val="0"/>
-                </a:srgbClr>
-              </a:clrTo>
-            </a:clrChange>
-            <a:extLst>
-              <a:ext uri="{28A0092B-C50C-407E-A947-70E740481C1C}">
-                <a14:useLocalDpi xmlns:a14="http://schemas.microsoft.com/office/drawing/2010/main" val="0"/>
-              </a:ext>
-            </a:extLst>
-          </a:blip>
-          <a:stretch>
-            <a:fillRect/>
-          </a:stretch>
-        </p:blipFill>
-        <p:spPr>
-          <a:xfrm>
-            <a:off x="4139235" y="1139956"/>
-            <a:ext cx="2660650" cy="2914650"/>
-          </a:xfrm>
-          <a:prstGeom prst="rect">
-            <a:avLst/>
-          </a:prstGeom>
-        </p:spPr>
-      </p:pic>
-      <p:pic>
-        <p:nvPicPr>
-          <p:cNvPr id="10" name="Picture 9"/>
-          <p:cNvPicPr>
-            <a:picLocks noChangeAspect="1"/>
-          </p:cNvPicPr>
-          <p:nvPr/>
-        </p:nvPicPr>
-        <p:blipFill>
-          <a:blip r:embed="rId4">
-            <a:clrChange>
-              <a:clrFrom>
-                <a:srgbClr val="FFFFFF"/>
-              </a:clrFrom>
-              <a:clrTo>
-                <a:srgbClr val="FFFFFF">
-                  <a:alpha val="0"/>
-                </a:srgbClr>
-              </a:clrTo>
-            </a:clrChange>
-            <a:extLst>
-              <a:ext uri="{28A0092B-C50C-407E-A947-70E740481C1C}">
-                <a14:useLocalDpi xmlns:a14="http://schemas.microsoft.com/office/drawing/2010/main" val="0"/>
-              </a:ext>
-            </a:extLst>
-          </a:blip>
-          <a:stretch>
-            <a:fillRect/>
-          </a:stretch>
-        </p:blipFill>
-        <p:spPr>
+        </p:nvGrpSpPr>
+        <p:grpSpPr>
           <a:xfrm>
             <a:off x="149735" y="1008306"/>
-            <a:ext cx="3454400" cy="3016250"/>
+            <a:ext cx="3454400" cy="3177950"/>
+            <a:chOff x="149735" y="1008306"/>
+            <a:chExt cx="3454400" cy="3177950"/>
           </a:xfrm>
-          <a:prstGeom prst="rect">
-            <a:avLst/>
-          </a:prstGeom>
-        </p:spPr>
-      </p:pic>
+        </p:grpSpPr>
+        <p:sp>
+          <p:nvSpPr>
+            <p:cNvPr id="11" name="Rectangle 10"/>
+            <p:cNvSpPr/>
+            <p:nvPr/>
+          </p:nvSpPr>
+          <p:spPr>
+            <a:xfrm>
+              <a:off x="426185" y="1008306"/>
+              <a:ext cx="3177950" cy="3177950"/>
+            </a:xfrm>
+            <a:prstGeom prst="rect">
+              <a:avLst/>
+            </a:prstGeom>
+            <a:solidFill>
+              <a:schemeClr val="bg1"/>
+            </a:solidFill>
+            <a:ln w="19050">
+              <a:solidFill>
+                <a:schemeClr val="bg1">
+                  <a:lumMod val="65000"/>
+                </a:schemeClr>
+              </a:solidFill>
+            </a:ln>
+          </p:spPr>
+          <p:style>
+            <a:lnRef idx="2">
+              <a:schemeClr val="accent1">
+                <a:shade val="50000"/>
+              </a:schemeClr>
+            </a:lnRef>
+            <a:fillRef idx="1">
+              <a:schemeClr val="accent1"/>
+            </a:fillRef>
+            <a:effectRef idx="0">
+              <a:schemeClr val="accent1"/>
+            </a:effectRef>
+            <a:fontRef idx="minor">
+              <a:schemeClr val="lt1"/>
+            </a:fontRef>
+          </p:style>
+          <p:txBody>
+            <a:bodyPr rtlCol="0" anchor="ctr"/>
+            <a:lstStyle/>
+            <a:p>
+              <a:pPr algn="ctr"/>
+              <a:endParaRPr lang="en-US"/>
+            </a:p>
+          </p:txBody>
+        </p:sp>
+        <p:pic>
+          <p:nvPicPr>
+            <p:cNvPr id="10" name="Picture 9"/>
+            <p:cNvPicPr>
+              <a:picLocks noChangeAspect="1"/>
+            </p:cNvPicPr>
+            <p:nvPr/>
+          </p:nvPicPr>
+          <p:blipFill>
+            <a:blip r:embed="rId4">
+              <a:clrChange>
+                <a:clrFrom>
+                  <a:srgbClr val="FFFFFF"/>
+                </a:clrFrom>
+                <a:clrTo>
+                  <a:srgbClr val="FFFFFF">
+                    <a:alpha val="0"/>
+                  </a:srgbClr>
+                </a:clrTo>
+              </a:clrChange>
+              <a:extLst>
+                <a:ext uri="{28A0092B-C50C-407E-A947-70E740481C1C}">
+                  <a14:useLocalDpi xmlns:a14="http://schemas.microsoft.com/office/drawing/2010/main" val="0"/>
+                </a:ext>
+              </a:extLst>
+            </a:blip>
+            <a:stretch>
+              <a:fillRect/>
+            </a:stretch>
+          </p:blipFill>
+          <p:spPr>
+            <a:xfrm>
+              <a:off x="149735" y="1008306"/>
+              <a:ext cx="3454400" cy="3016250"/>
+            </a:xfrm>
+            <a:prstGeom prst="rect">
+              <a:avLst/>
+            </a:prstGeom>
+          </p:spPr>
+        </p:pic>
+      </p:grpSp>
     </p:spTree>
     <p:extLst>
       <p:ext uri="{BB962C8B-B14F-4D97-AF65-F5344CB8AC3E}">
@@ -3265,270 +3311,369 @@
           <a:chExt cx="0" cy="0"/>
         </a:xfrm>
       </p:grpSpPr>
-      <p:sp>
-        <p:nvSpPr>
-          <p:cNvPr id="11" name="Rectangle 10"/>
-          <p:cNvSpPr/>
+      <p:grpSp>
+        <p:nvGrpSpPr>
+          <p:cNvPr id="14" name="Group 13"/>
+          <p:cNvGrpSpPr/>
           <p:nvPr/>
-        </p:nvSpPr>
-        <p:spPr>
+        </p:nvGrpSpPr>
+        <p:grpSpPr>
           <a:xfrm>
-            <a:off x="7473751" y="1008306"/>
-            <a:ext cx="3177950" cy="3177950"/>
+            <a:off x="7473751" y="1003789"/>
+            <a:ext cx="3194050" cy="3182467"/>
+            <a:chOff x="7473751" y="1003789"/>
+            <a:chExt cx="3194050" cy="3182467"/>
           </a:xfrm>
-          <a:prstGeom prst="rect">
-            <a:avLst/>
-          </a:prstGeom>
-          <a:solidFill>
-            <a:schemeClr val="bg1"/>
-          </a:solidFill>
-          <a:ln w="19050">
+        </p:grpSpPr>
+        <p:sp>
+          <p:nvSpPr>
+            <p:cNvPr id="11" name="Rectangle 10"/>
+            <p:cNvSpPr/>
+            <p:nvPr/>
+          </p:nvSpPr>
+          <p:spPr>
+            <a:xfrm>
+              <a:off x="7473751" y="1008306"/>
+              <a:ext cx="3177950" cy="3177950"/>
+            </a:xfrm>
+            <a:prstGeom prst="rect">
+              <a:avLst/>
+            </a:prstGeom>
             <a:solidFill>
-              <a:schemeClr val="bg1">
-                <a:lumMod val="65000"/>
+              <a:schemeClr val="bg1"/>
+            </a:solidFill>
+            <a:ln w="19050">
+              <a:solidFill>
+                <a:schemeClr val="bg1">
+                  <a:lumMod val="65000"/>
+                </a:schemeClr>
+              </a:solidFill>
+            </a:ln>
+          </p:spPr>
+          <p:style>
+            <a:lnRef idx="2">
+              <a:schemeClr val="accent1">
+                <a:shade val="50000"/>
               </a:schemeClr>
-            </a:solidFill>
-          </a:ln>
-        </p:spPr>
-        <p:style>
-          <a:lnRef idx="2">
-            <a:schemeClr val="accent1">
-              <a:shade val="50000"/>
-            </a:schemeClr>
-          </a:lnRef>
-          <a:fillRef idx="1">
-            <a:schemeClr val="accent1"/>
-          </a:fillRef>
-          <a:effectRef idx="0">
-            <a:schemeClr val="accent1"/>
-          </a:effectRef>
-          <a:fontRef idx="minor">
-            <a:schemeClr val="lt1"/>
-          </a:fontRef>
-        </p:style>
-        <p:txBody>
-          <a:bodyPr rtlCol="0" anchor="ctr"/>
-          <a:lstStyle/>
-          <a:p>
-            <a:pPr algn="ctr"/>
-            <a:endParaRPr lang="en-US"/>
-          </a:p>
-        </p:txBody>
-      </p:sp>
-      <p:sp>
-        <p:nvSpPr>
-          <p:cNvPr id="10" name="Rectangle 9"/>
-          <p:cNvSpPr/>
+            </a:lnRef>
+            <a:fillRef idx="1">
+              <a:schemeClr val="accent1"/>
+            </a:fillRef>
+            <a:effectRef idx="0">
+              <a:schemeClr val="accent1"/>
+            </a:effectRef>
+            <a:fontRef idx="minor">
+              <a:schemeClr val="lt1"/>
+            </a:fontRef>
+          </p:style>
+          <p:txBody>
+            <a:bodyPr rtlCol="0" anchor="ctr"/>
+            <a:lstStyle/>
+            <a:p>
+              <a:pPr algn="ctr"/>
+              <a:endParaRPr lang="en-US"/>
+            </a:p>
+          </p:txBody>
+        </p:sp>
+        <p:pic>
+          <p:nvPicPr>
+            <p:cNvPr id="4" name="Picture 3"/>
+            <p:cNvPicPr>
+              <a:picLocks noChangeAspect="1"/>
+            </p:cNvPicPr>
+            <p:nvPr/>
+          </p:nvPicPr>
+          <p:blipFill>
+            <a:blip r:embed="rId2">
+              <a:clrChange>
+                <a:clrFrom>
+                  <a:srgbClr val="FFFFFF"/>
+                </a:clrFrom>
+                <a:clrTo>
+                  <a:srgbClr val="FFFFFF">
+                    <a:alpha val="0"/>
+                  </a:srgbClr>
+                </a:clrTo>
+              </a:clrChange>
+              <a:extLst>
+                <a:ext uri="{28A0092B-C50C-407E-A947-70E740481C1C}">
+                  <a14:useLocalDpi xmlns:a14="http://schemas.microsoft.com/office/drawing/2010/main" val="0"/>
+                </a:ext>
+              </a:extLst>
+            </a:blip>
+            <a:stretch>
+              <a:fillRect/>
+            </a:stretch>
+          </p:blipFill>
+          <p:spPr>
+            <a:xfrm>
+              <a:off x="7473751" y="1003789"/>
+              <a:ext cx="3194050" cy="3079750"/>
+            </a:xfrm>
+            <a:prstGeom prst="rect">
+              <a:avLst/>
+            </a:prstGeom>
+          </p:spPr>
+        </p:pic>
+      </p:grpSp>
+      <p:grpSp>
+        <p:nvGrpSpPr>
+          <p:cNvPr id="13" name="Group 12"/>
+          <p:cNvGrpSpPr/>
           <p:nvPr/>
-        </p:nvSpPr>
-        <p:spPr>
+        </p:nvGrpSpPr>
+        <p:grpSpPr>
           <a:xfrm>
             <a:off x="3949968" y="1008306"/>
             <a:ext cx="3177950" cy="3177950"/>
+            <a:chOff x="3949968" y="1008306"/>
+            <a:chExt cx="3177950" cy="3177950"/>
           </a:xfrm>
-          <a:prstGeom prst="rect">
-            <a:avLst/>
-          </a:prstGeom>
-          <a:solidFill>
-            <a:schemeClr val="bg1"/>
-          </a:solidFill>
-          <a:ln w="19050">
+        </p:grpSpPr>
+        <p:sp>
+          <p:nvSpPr>
+            <p:cNvPr id="10" name="Rectangle 9"/>
+            <p:cNvSpPr/>
+            <p:nvPr/>
+          </p:nvSpPr>
+          <p:spPr>
+            <a:xfrm>
+              <a:off x="3949968" y="1008306"/>
+              <a:ext cx="3177950" cy="3177950"/>
+            </a:xfrm>
+            <a:prstGeom prst="rect">
+              <a:avLst/>
+            </a:prstGeom>
             <a:solidFill>
-              <a:schemeClr val="bg1">
-                <a:lumMod val="65000"/>
+              <a:schemeClr val="bg1"/>
+            </a:solidFill>
+            <a:ln w="19050">
+              <a:solidFill>
+                <a:schemeClr val="bg1">
+                  <a:lumMod val="65000"/>
+                </a:schemeClr>
+              </a:solidFill>
+            </a:ln>
+          </p:spPr>
+          <p:style>
+            <a:lnRef idx="2">
+              <a:schemeClr val="accent1">
+                <a:shade val="50000"/>
               </a:schemeClr>
-            </a:solidFill>
-          </a:ln>
-        </p:spPr>
-        <p:style>
-          <a:lnRef idx="2">
-            <a:schemeClr val="accent1">
-              <a:shade val="50000"/>
-            </a:schemeClr>
-          </a:lnRef>
-          <a:fillRef idx="1">
-            <a:schemeClr val="accent1"/>
-          </a:fillRef>
-          <a:effectRef idx="0">
-            <a:schemeClr val="accent1"/>
-          </a:effectRef>
-          <a:fontRef idx="minor">
-            <a:schemeClr val="lt1"/>
-          </a:fontRef>
-        </p:style>
-        <p:txBody>
-          <a:bodyPr rtlCol="0" anchor="ctr"/>
-          <a:lstStyle/>
-          <a:p>
-            <a:pPr algn="ctr"/>
-            <a:endParaRPr lang="en-US"/>
-          </a:p>
-        </p:txBody>
-      </p:sp>
-      <p:sp>
-        <p:nvSpPr>
-          <p:cNvPr id="7" name="Rectangle 6"/>
-          <p:cNvSpPr/>
+            </a:lnRef>
+            <a:fillRef idx="1">
+              <a:schemeClr val="accent1"/>
+            </a:fillRef>
+            <a:effectRef idx="0">
+              <a:schemeClr val="accent1"/>
+            </a:effectRef>
+            <a:fontRef idx="minor">
+              <a:schemeClr val="lt1"/>
+            </a:fontRef>
+          </p:style>
+          <p:txBody>
+            <a:bodyPr rtlCol="0" anchor="ctr"/>
+            <a:lstStyle/>
+            <a:p>
+              <a:pPr algn="ctr"/>
+              <a:endParaRPr lang="en-US"/>
+            </a:p>
+          </p:txBody>
+        </p:sp>
+        <p:pic>
+          <p:nvPicPr>
+            <p:cNvPr id="5" name="Picture 4"/>
+            <p:cNvPicPr>
+              <a:picLocks noChangeAspect="1"/>
+            </p:cNvPicPr>
+            <p:nvPr/>
+          </p:nvPicPr>
+          <p:blipFill>
+            <a:blip r:embed="rId3">
+              <a:clrChange>
+                <a:clrFrom>
+                  <a:srgbClr val="FFFFFF"/>
+                </a:clrFrom>
+                <a:clrTo>
+                  <a:srgbClr val="FFFFFF">
+                    <a:alpha val="0"/>
+                  </a:srgbClr>
+                </a:clrTo>
+              </a:clrChange>
+              <a:extLst>
+                <a:ext uri="{28A0092B-C50C-407E-A947-70E740481C1C}">
+                  <a14:useLocalDpi xmlns:a14="http://schemas.microsoft.com/office/drawing/2010/main" val="0"/>
+                </a:ext>
+              </a:extLst>
+            </a:blip>
+            <a:stretch>
+              <a:fillRect/>
+            </a:stretch>
+          </p:blipFill>
+          <p:spPr>
+            <a:xfrm>
+              <a:off x="3949968" y="1098681"/>
+              <a:ext cx="3124200" cy="2997200"/>
+            </a:xfrm>
+            <a:prstGeom prst="rect">
+              <a:avLst/>
+            </a:prstGeom>
+          </p:spPr>
+        </p:pic>
+      </p:grpSp>
+      <p:grpSp>
+        <p:nvGrpSpPr>
+          <p:cNvPr id="12" name="Group 11"/>
+          <p:cNvGrpSpPr/>
           <p:nvPr/>
-        </p:nvSpPr>
-        <p:spPr>
+        </p:nvGrpSpPr>
+        <p:grpSpPr>
           <a:xfrm>
             <a:off x="426185" y="1008306"/>
             <a:ext cx="3177950" cy="3177950"/>
+            <a:chOff x="426185" y="1008306"/>
+            <a:chExt cx="3177950" cy="3177950"/>
           </a:xfrm>
-          <a:prstGeom prst="rect">
-            <a:avLst/>
-          </a:prstGeom>
-          <a:solidFill>
-            <a:schemeClr val="bg1"/>
-          </a:solidFill>
-          <a:ln w="19050">
+        </p:grpSpPr>
+        <p:sp>
+          <p:nvSpPr>
+            <p:cNvPr id="7" name="Rectangle 6"/>
+            <p:cNvSpPr/>
+            <p:nvPr/>
+          </p:nvSpPr>
+          <p:spPr>
+            <a:xfrm>
+              <a:off x="426185" y="1008306"/>
+              <a:ext cx="3177950" cy="3177950"/>
+            </a:xfrm>
+            <a:prstGeom prst="rect">
+              <a:avLst/>
+            </a:prstGeom>
             <a:solidFill>
-              <a:schemeClr val="bg1">
-                <a:lumMod val="65000"/>
+              <a:schemeClr val="bg1"/>
+            </a:solidFill>
+            <a:ln w="19050">
+              <a:solidFill>
+                <a:schemeClr val="bg1">
+                  <a:lumMod val="65000"/>
+                </a:schemeClr>
+              </a:solidFill>
+            </a:ln>
+          </p:spPr>
+          <p:style>
+            <a:lnRef idx="2">
+              <a:schemeClr val="accent1">
+                <a:shade val="50000"/>
               </a:schemeClr>
-            </a:solidFill>
-          </a:ln>
-        </p:spPr>
-        <p:style>
-          <a:lnRef idx="2">
-            <a:schemeClr val="accent1">
-              <a:shade val="50000"/>
-            </a:schemeClr>
-          </a:lnRef>
-          <a:fillRef idx="1">
-            <a:schemeClr val="accent1"/>
-          </a:fillRef>
-          <a:effectRef idx="0">
-            <a:schemeClr val="accent1"/>
-          </a:effectRef>
-          <a:fontRef idx="minor">
-            <a:schemeClr val="lt1"/>
-          </a:fontRef>
-        </p:style>
-        <p:txBody>
-          <a:bodyPr rtlCol="0" anchor="ctr"/>
-          <a:lstStyle/>
-          <a:p>
-            <a:pPr algn="ctr"/>
-            <a:endParaRPr lang="en-US"/>
-          </a:p>
-        </p:txBody>
-      </p:sp>
+            </a:lnRef>
+            <a:fillRef idx="1">
+              <a:schemeClr val="accent1"/>
+            </a:fillRef>
+            <a:effectRef idx="0">
+              <a:schemeClr val="accent1"/>
+            </a:effectRef>
+            <a:fontRef idx="minor">
+              <a:schemeClr val="lt1"/>
+            </a:fontRef>
+          </p:style>
+          <p:txBody>
+            <a:bodyPr rtlCol="0" anchor="ctr"/>
+            <a:lstStyle/>
+            <a:p>
+              <a:pPr algn="ctr"/>
+              <a:endParaRPr lang="en-US"/>
+            </a:p>
+          </p:txBody>
+        </p:sp>
+        <p:pic>
+          <p:nvPicPr>
+            <p:cNvPr id="6" name="Picture 5"/>
+            <p:cNvPicPr>
+              <a:picLocks noChangeAspect="1"/>
+            </p:cNvPicPr>
+            <p:nvPr/>
+          </p:nvPicPr>
+          <p:blipFill>
+            <a:blip r:embed="rId4">
+              <a:clrChange>
+                <a:clrFrom>
+                  <a:srgbClr val="FFFFFF"/>
+                </a:clrFrom>
+                <a:clrTo>
+                  <a:srgbClr val="FFFFFF">
+                    <a:alpha val="0"/>
+                  </a:srgbClr>
+                </a:clrTo>
+              </a:clrChange>
+              <a:extLst>
+                <a:ext uri="{28A0092B-C50C-407E-A947-70E740481C1C}">
+                  <a14:useLocalDpi xmlns:a14="http://schemas.microsoft.com/office/drawing/2010/main" val="0"/>
+                </a:ext>
+              </a:extLst>
+            </a:blip>
+            <a:stretch>
+              <a:fillRect/>
+            </a:stretch>
+          </p:blipFill>
+          <p:spPr>
+            <a:xfrm>
+              <a:off x="497510" y="1203456"/>
+              <a:ext cx="3035300" cy="2787650"/>
+            </a:xfrm>
+            <a:prstGeom prst="rect">
+              <a:avLst/>
+            </a:prstGeom>
+          </p:spPr>
+        </p:pic>
+      </p:grpSp>
+    </p:spTree>
+    <p:extLst>
+      <p:ext uri="{BB962C8B-B14F-4D97-AF65-F5344CB8AC3E}">
+        <p14:creationId xmlns:p14="http://schemas.microsoft.com/office/powerpoint/2010/main" val="1542357376"/>
+      </p:ext>
+    </p:extLst>
+  </p:cSld>
+  <p:clrMapOvr>
+    <a:masterClrMapping/>
+  </p:clrMapOvr>
+</p:sld>
+</file>
+
+<file path=ppt/slides/slide3.xml><?xml version="1.0" encoding="utf-8"?>
+<p:sld xmlns:a="http://schemas.openxmlformats.org/drawingml/2006/main" xmlns:r="http://schemas.openxmlformats.org/officeDocument/2006/relationships" xmlns:p="http://schemas.openxmlformats.org/presentationml/2006/main">
+  <p:cSld>
+    <p:spTree>
+      <p:nvGrpSpPr>
+        <p:cNvPr id="1" name=""/>
+        <p:cNvGrpSpPr/>
+        <p:nvPr/>
+      </p:nvGrpSpPr>
+      <p:grpSpPr>
+        <a:xfrm>
+          <a:off x="0" y="0"/>
+          <a:ext cx="0" cy="0"/>
+          <a:chOff x="0" y="0"/>
+          <a:chExt cx="0" cy="0"/>
+        </a:xfrm>
+      </p:grpSpPr>
       <p:pic>
         <p:nvPicPr>
-          <p:cNvPr id="4" name="Picture 3"/>
+          <p:cNvPr id="9" name="Picture 8"/>
           <p:cNvPicPr>
             <a:picLocks noChangeAspect="1"/>
           </p:cNvPicPr>
           <p:nvPr/>
         </p:nvPicPr>
         <p:blipFill>
-          <a:blip r:embed="rId2">
-            <a:clrChange>
-              <a:clrFrom>
-                <a:srgbClr val="FFFFFF"/>
-              </a:clrFrom>
-              <a:clrTo>
-                <a:srgbClr val="FFFFFF">
-                  <a:alpha val="0"/>
-                </a:srgbClr>
-              </a:clrTo>
-            </a:clrChange>
-            <a:extLst>
-              <a:ext uri="{28A0092B-C50C-407E-A947-70E740481C1C}">
-                <a14:useLocalDpi xmlns:a14="http://schemas.microsoft.com/office/drawing/2010/main" val="0"/>
-              </a:ext>
-            </a:extLst>
-          </a:blip>
+          <a:blip r:embed="rId2"/>
           <a:stretch>
             <a:fillRect/>
           </a:stretch>
         </p:blipFill>
         <p:spPr>
           <a:xfrm>
-            <a:off x="7473751" y="1003789"/>
-            <a:ext cx="3194050" cy="3079750"/>
-          </a:xfrm>
-          <a:prstGeom prst="rect">
-            <a:avLst/>
-          </a:prstGeom>
-        </p:spPr>
-      </p:pic>
-      <p:pic>
-        <p:nvPicPr>
-          <p:cNvPr id="5" name="Picture 4"/>
-          <p:cNvPicPr>
-            <a:picLocks noChangeAspect="1"/>
-          </p:cNvPicPr>
-          <p:nvPr/>
-        </p:nvPicPr>
-        <p:blipFill>
-          <a:blip r:embed="rId3">
-            <a:clrChange>
-              <a:clrFrom>
-                <a:srgbClr val="FFFFFF"/>
-              </a:clrFrom>
-              <a:clrTo>
-                <a:srgbClr val="FFFFFF">
-                  <a:alpha val="0"/>
-                </a:srgbClr>
-              </a:clrTo>
-            </a:clrChange>
-            <a:extLst>
-              <a:ext uri="{28A0092B-C50C-407E-A947-70E740481C1C}">
-                <a14:useLocalDpi xmlns:a14="http://schemas.microsoft.com/office/drawing/2010/main" val="0"/>
-              </a:ext>
-            </a:extLst>
-          </a:blip>
-          <a:stretch>
-            <a:fillRect/>
-          </a:stretch>
-        </p:blipFill>
-        <p:spPr>
-          <a:xfrm>
-            <a:off x="3949968" y="1098681"/>
-            <a:ext cx="3124200" cy="2997200"/>
-          </a:xfrm>
-          <a:prstGeom prst="rect">
-            <a:avLst/>
-          </a:prstGeom>
-        </p:spPr>
-      </p:pic>
-      <p:pic>
-        <p:nvPicPr>
-          <p:cNvPr id="6" name="Picture 5"/>
-          <p:cNvPicPr>
-            <a:picLocks noChangeAspect="1"/>
-          </p:cNvPicPr>
-          <p:nvPr/>
-        </p:nvPicPr>
-        <p:blipFill>
-          <a:blip r:embed="rId4">
-            <a:clrChange>
-              <a:clrFrom>
-                <a:srgbClr val="FFFFFF"/>
-              </a:clrFrom>
-              <a:clrTo>
-                <a:srgbClr val="FFFFFF">
-                  <a:alpha val="0"/>
-                </a:srgbClr>
-              </a:clrTo>
-            </a:clrChange>
-            <a:extLst>
-              <a:ext uri="{28A0092B-C50C-407E-A947-70E740481C1C}">
-                <a14:useLocalDpi xmlns:a14="http://schemas.microsoft.com/office/drawing/2010/main" val="0"/>
-              </a:ext>
-            </a:extLst>
-          </a:blip>
-          <a:stretch>
-            <a:fillRect/>
-          </a:stretch>
-        </p:blipFill>
-        <p:spPr>
-          <a:xfrm>
-            <a:off x="497510" y="1203456"/>
-            <a:ext cx="3035300" cy="2787650"/>
+            <a:off x="-410382" y="-3737251"/>
+            <a:ext cx="13012764" cy="14332501"/>
           </a:xfrm>
           <a:prstGeom prst="rect">
             <a:avLst/>
@@ -3538,7 +3683,7 @@
     </p:spTree>
     <p:extLst>
       <p:ext uri="{BB962C8B-B14F-4D97-AF65-F5344CB8AC3E}">
-        <p14:creationId xmlns:p14="http://schemas.microsoft.com/office/powerpoint/2010/main" val="1542357376"/>
+        <p14:creationId xmlns:p14="http://schemas.microsoft.com/office/powerpoint/2010/main" val="425100624"/>
       </p:ext>
     </p:extLst>
   </p:cSld>

--- a/enginev1/static/img/demo/Images with borders.pptx
+++ b/enginev1/static/img/demo/Images with borders.pptx
@@ -106,6 +106,11 @@
       </a:defRPr>
     </a:lvl9pPr>
   </p:defaultTextStyle>
+  <p:extLst>
+    <p:ext uri="{EFAFB233-063F-42B5-8137-9DF3F51BA10A}">
+      <p15:sldGuideLst xmlns:p15="http://schemas.microsoft.com/office/powerpoint/2012/main"/>
+    </p:ext>
+  </p:extLst>
 </p:presentation>
 </file>
 
@@ -154,7 +159,6 @@
               <a:rPr lang="en-US"/>
               <a:t>Click to edit Master title style</a:t>
             </a:r>
-            <a:endParaRPr lang="en-US"/>
           </a:p>
         </p:txBody>
       </p:sp>
@@ -219,7 +223,6 @@
               <a:rPr lang="en-US"/>
               <a:t>Click to edit Master subtitle style</a:t>
             </a:r>
-            <a:endParaRPr lang="en-US"/>
           </a:p>
         </p:txBody>
       </p:sp>
@@ -337,7 +340,6 @@
               <a:rPr lang="en-US"/>
               <a:t>Click to edit Master title style</a:t>
             </a:r>
-            <a:endParaRPr lang="en-US"/>
           </a:p>
         </p:txBody>
       </p:sp>
@@ -389,7 +391,6 @@
               <a:rPr lang="en-US"/>
               <a:t>Fifth level</a:t>
             </a:r>
-            <a:endParaRPr lang="en-US"/>
           </a:p>
         </p:txBody>
       </p:sp>
@@ -512,7 +513,6 @@
               <a:rPr lang="en-US"/>
               <a:t>Click to edit Master title style</a:t>
             </a:r>
-            <a:endParaRPr lang="en-US"/>
           </a:p>
         </p:txBody>
       </p:sp>
@@ -569,7 +569,6 @@
               <a:rPr lang="en-US"/>
               <a:t>Fifth level</a:t>
             </a:r>
-            <a:endParaRPr lang="en-US"/>
           </a:p>
         </p:txBody>
       </p:sp>
@@ -687,7 +686,6 @@
               <a:rPr lang="en-US"/>
               <a:t>Click to edit Master title style</a:t>
             </a:r>
-            <a:endParaRPr lang="en-US"/>
           </a:p>
         </p:txBody>
       </p:sp>
@@ -739,7 +737,6 @@
               <a:rPr lang="en-US"/>
               <a:t>Fifth level</a:t>
             </a:r>
-            <a:endParaRPr lang="en-US"/>
           </a:p>
         </p:txBody>
       </p:sp>
@@ -866,7 +863,6 @@
               <a:rPr lang="en-US"/>
               <a:t>Click to edit Master title style</a:t>
             </a:r>
-            <a:endParaRPr lang="en-US"/>
           </a:p>
         </p:txBody>
       </p:sp>
@@ -1103,7 +1099,6 @@
               <a:rPr lang="en-US"/>
               <a:t>Click to edit Master title style</a:t>
             </a:r>
-            <a:endParaRPr lang="en-US"/>
           </a:p>
         </p:txBody>
       </p:sp>
@@ -1160,7 +1155,6 @@
               <a:rPr lang="en-US"/>
               <a:t>Fifth level</a:t>
             </a:r>
-            <a:endParaRPr lang="en-US"/>
           </a:p>
         </p:txBody>
       </p:sp>
@@ -1217,7 +1211,6 @@
               <a:rPr lang="en-US"/>
               <a:t>Fifth level</a:t>
             </a:r>
-            <a:endParaRPr lang="en-US"/>
           </a:p>
         </p:txBody>
       </p:sp>
@@ -1340,7 +1333,6 @@
               <a:rPr lang="en-US"/>
               <a:t>Click to edit Master title style</a:t>
             </a:r>
-            <a:endParaRPr lang="en-US"/>
           </a:p>
         </p:txBody>
       </p:sp>
@@ -1462,7 +1454,6 @@
               <a:rPr lang="en-US"/>
               <a:t>Fifth level</a:t>
             </a:r>
-            <a:endParaRPr lang="en-US"/>
           </a:p>
         </p:txBody>
       </p:sp>
@@ -1584,7 +1575,6 @@
               <a:rPr lang="en-US"/>
               <a:t>Fifth level</a:t>
             </a:r>
-            <a:endParaRPr lang="en-US"/>
           </a:p>
         </p:txBody>
       </p:sp>
@@ -1702,7 +1692,6 @@
               <a:rPr lang="en-US"/>
               <a:t>Click to edit Master title style</a:t>
             </a:r>
-            <a:endParaRPr lang="en-US"/>
           </a:p>
         </p:txBody>
       </p:sp>
@@ -1924,7 +1913,6 @@
               <a:rPr lang="en-US"/>
               <a:t>Click to edit Master title style</a:t>
             </a:r>
-            <a:endParaRPr lang="en-US"/>
           </a:p>
         </p:txBody>
       </p:sp>
@@ -2009,7 +1997,6 @@
               <a:rPr lang="en-US"/>
               <a:t>Fifth level</a:t>
             </a:r>
-            <a:endParaRPr lang="en-US"/>
           </a:p>
         </p:txBody>
       </p:sp>
@@ -2201,7 +2188,6 @@
               <a:rPr lang="en-US"/>
               <a:t>Click to edit Master title style</a:t>
             </a:r>
-            <a:endParaRPr lang="en-US"/>
           </a:p>
         </p:txBody>
       </p:sp>
@@ -2460,7 +2446,6 @@
               <a:rPr lang="en-US"/>
               <a:t>Click to edit Master title style</a:t>
             </a:r>
-            <a:endParaRPr lang="en-US"/>
           </a:p>
         </p:txBody>
       </p:sp>
@@ -2522,7 +2507,6 @@
               <a:rPr lang="en-US"/>
               <a:t>Fifth level</a:t>
             </a:r>
-            <a:endParaRPr lang="en-US"/>
           </a:p>
         </p:txBody>
       </p:sp>
@@ -3178,16 +3162,16 @@
       </p:grpSp>
       <p:grpSp>
         <p:nvGrpSpPr>
-          <p:cNvPr id="17" name="Group 16"/>
+          <p:cNvPr id="2" name="Group 1"/>
           <p:cNvGrpSpPr/>
           <p:nvPr/>
         </p:nvGrpSpPr>
         <p:grpSpPr>
           <a:xfrm>
-            <a:off x="149735" y="1008306"/>
-            <a:ext cx="3454400" cy="3177950"/>
-            <a:chOff x="149735" y="1008306"/>
-            <a:chExt cx="3454400" cy="3177950"/>
+            <a:off x="426185" y="1008306"/>
+            <a:ext cx="3177950" cy="3177950"/>
+            <a:chOff x="426185" y="1008306"/>
+            <a:chExt cx="3177950" cy="3177950"/>
           </a:xfrm>
         </p:grpSpPr>
         <p:sp>
@@ -3248,7 +3232,7 @@
             </p:cNvPicPr>
             <p:nvPr/>
           </p:nvPicPr>
-          <p:blipFill>
+          <p:blipFill rotWithShape="1">
             <a:blip r:embed="rId4">
               <a:clrChange>
                 <a:clrFrom>
@@ -3266,14 +3250,13 @@
                 </a:ext>
               </a:extLst>
             </a:blip>
-            <a:stretch>
-              <a:fillRect/>
-            </a:stretch>
+            <a:srcRect l="11826"/>
+            <a:stretch/>
           </p:blipFill>
           <p:spPr>
             <a:xfrm>
-              <a:off x="149735" y="1008306"/>
-              <a:ext cx="3454400" cy="3016250"/>
+              <a:off x="558265" y="1008306"/>
+              <a:ext cx="3045870" cy="3016250"/>
             </a:xfrm>
             <a:prstGeom prst="rect">
               <a:avLst/>
